--- a/Google Project Management Certificate/Project Initiation - Starting a Successful Project/02 - Working effectively with stakeholders/Activity Resources/01 - Stakeholder analysis + power response.pptx
+++ b/Google Project Management Certificate/Project Initiation - Starting a Successful Project/02 - Working effectively with stakeholders/Activity Resources/01 - Stakeholder analysis + power response.pptx
@@ -13980,7 +13980,13 @@
         <p:nvGraphicFramePr>
           <p:cNvPr id="99" name="Google Shape;99;p25"/>
           <p:cNvGraphicFramePr/>
-          <p:nvPr/>
+          <p:nvPr>
+            <p:extLst>
+              <p:ext uri="{D42A27DB-BD31-4B8C-83A1-F6EECF244321}">
+                <p14:modId xmlns:p14="http://schemas.microsoft.com/office/powerpoint/2010/main" val="953679815"/>
+              </p:ext>
+            </p:extLst>
+          </p:nvPr>
         </p:nvGraphicFramePr>
         <p:xfrm>
           <a:off x="0" y="426325"/>
@@ -14564,7 +14570,11 @@
                         <a:buFont typeface="Arial"/>
                         <a:buNone/>
                       </a:pPr>
-                      <a:endParaRPr sz="1000"/>
+                      <a:r>
+                        <a:rPr lang="en-AU" sz="1000" dirty="0"/>
+                        <a:t>Director of Product</a:t>
+                      </a:r>
+                      <a:endParaRPr sz="1000" dirty="0"/>
                     </a:p>
                   </a:txBody>
                   <a:tcPr marL="66675" marR="66675" marT="50000" marB="50000" anchor="ctr">
@@ -14625,7 +14635,11 @@
                         <a:buFont typeface="Arial"/>
                         <a:buNone/>
                       </a:pPr>
-                      <a:endParaRPr sz="1000"/>
+                      <a:r>
+                        <a:rPr lang="en-AU" sz="1000" dirty="0"/>
+                        <a:t>Project Sponsor</a:t>
+                      </a:r>
+                      <a:endParaRPr sz="1000" dirty="0"/>
                     </a:p>
                   </a:txBody>
                   <a:tcPr marL="66675" marR="66675" marT="50000" marB="50000" anchor="ctr">
@@ -14686,7 +14700,11 @@
                         <a:buFont typeface="Arial"/>
                         <a:buNone/>
                       </a:pPr>
-                      <a:endParaRPr sz="1000"/>
+                      <a:r>
+                        <a:rPr lang="en-AU" sz="1000" dirty="0"/>
+                        <a:t>Makes higher level decisions, and main resource</a:t>
+                      </a:r>
+                      <a:endParaRPr sz="1000" dirty="0"/>
                     </a:p>
                   </a:txBody>
                   <a:tcPr marL="66675" marR="66675" marT="50000" marB="50000" anchor="ctr">
@@ -14747,7 +14765,11 @@
                         <a:buFont typeface="Arial"/>
                         <a:buNone/>
                       </a:pPr>
-                      <a:endParaRPr sz="1000"/>
+                      <a:r>
+                        <a:rPr lang="en-AU" sz="1000" dirty="0"/>
+                        <a:t>Is dependant on the project succeeding, is willing to help</a:t>
+                      </a:r>
+                      <a:endParaRPr sz="1000" dirty="0"/>
                     </a:p>
                   </a:txBody>
                   <a:tcPr marL="66675" marR="66675" marT="50000" marB="50000" anchor="ctr">
@@ -14811,7 +14833,11 @@
                         <a:buFont typeface="Arial"/>
                         <a:buNone/>
                       </a:pPr>
-                      <a:endParaRPr sz="1000" u="none" strike="noStrike" cap="none"/>
+                      <a:r>
+                        <a:rPr lang="en-AU" sz="1000" u="none" strike="noStrike" cap="none" dirty="0"/>
+                        <a:t>H</a:t>
+                      </a:r>
+                      <a:endParaRPr sz="1000" u="none" strike="noStrike" cap="none" dirty="0"/>
                     </a:p>
                   </a:txBody>
                   <a:tcPr marL="66675" marR="66675" marT="50000" marB="50000" anchor="ctr">
@@ -14875,7 +14901,11 @@
                         <a:buFont typeface="Arial"/>
                         <a:buNone/>
                       </a:pPr>
-                      <a:endParaRPr sz="1000" u="none" strike="noStrike" cap="none"/>
+                      <a:r>
+                        <a:rPr lang="en-AU" sz="1000" u="none" strike="noStrike" cap="none" dirty="0"/>
+                        <a:t>M</a:t>
+                      </a:r>
+                      <a:endParaRPr sz="1000" u="none" strike="noStrike" cap="none" dirty="0"/>
                     </a:p>
                   </a:txBody>
                   <a:tcPr marL="66675" marR="66675" marT="50000" marB="50000" anchor="ctr">
@@ -14939,7 +14969,11 @@
                         <a:buFont typeface="Arial"/>
                         <a:buNone/>
                       </a:pPr>
-                      <a:endParaRPr sz="1000" u="none" strike="noStrike" cap="none"/>
+                      <a:r>
+                        <a:rPr lang="en-AU" sz="1000" u="none" strike="noStrike" cap="none" dirty="0"/>
+                        <a:t>Make sure to keep in the loop, as important. Ask questions, and give regular updates</a:t>
+                      </a:r>
+                      <a:endParaRPr sz="1000" u="none" strike="noStrike" cap="none" dirty="0"/>
                     </a:p>
                   </a:txBody>
                   <a:tcPr marL="66675" marR="66675" marT="50000" marB="50000" anchor="ctr">
@@ -15007,7 +15041,11 @@
                         <a:buFont typeface="Arial"/>
                         <a:buNone/>
                       </a:pPr>
-                      <a:endParaRPr sz="1000"/>
+                      <a:r>
+                        <a:rPr lang="en-AU" sz="1000" dirty="0"/>
+                        <a:t>Landscape designer/Web dude</a:t>
+                      </a:r>
+                      <a:endParaRPr sz="1000" dirty="0"/>
                     </a:p>
                   </a:txBody>
                   <a:tcPr marL="66675" marR="66675" marT="50000" marB="50000" anchor="ctr">
@@ -15068,7 +15106,11 @@
                         <a:buFont typeface="Arial"/>
                         <a:buNone/>
                       </a:pPr>
-                      <a:endParaRPr sz="1000"/>
+                      <a:r>
+                        <a:rPr lang="en-AU" sz="1000" dirty="0"/>
+                        <a:t>Project team member</a:t>
+                      </a:r>
+                      <a:endParaRPr sz="1000" dirty="0"/>
                     </a:p>
                   </a:txBody>
                   <a:tcPr marL="66675" marR="66675" marT="50000" marB="50000" anchor="ctr">
@@ -15129,7 +15171,11 @@
                         <a:buFont typeface="Arial"/>
                         <a:buNone/>
                       </a:pPr>
-                      <a:endParaRPr sz="1000"/>
+                      <a:r>
+                        <a:rPr lang="en-AU" sz="1000" dirty="0"/>
+                        <a:t>Website design, plants, strong relationships with original employees</a:t>
+                      </a:r>
+                      <a:endParaRPr sz="1000" dirty="0"/>
                     </a:p>
                   </a:txBody>
                   <a:tcPr marL="66675" marR="66675" marT="50000" marB="50000" anchor="ctr">
@@ -15190,7 +15236,11 @@
                         <a:buFont typeface="Arial"/>
                         <a:buNone/>
                       </a:pPr>
-                      <a:endParaRPr sz="1000"/>
+                      <a:r>
+                        <a:rPr lang="en-AU" sz="1000" dirty="0"/>
+                        <a:t>Invested in project very deeply. Resistance if affects other roles involved in</a:t>
+                      </a:r>
+                      <a:endParaRPr sz="1000" dirty="0"/>
                     </a:p>
                   </a:txBody>
                   <a:tcPr marL="66675" marR="66675" marT="50000" marB="50000" anchor="ctr">
@@ -15254,7 +15304,11 @@
                         <a:buFont typeface="Arial"/>
                         <a:buNone/>
                       </a:pPr>
-                      <a:endParaRPr sz="1000" u="none" strike="noStrike" cap="none"/>
+                      <a:r>
+                        <a:rPr lang="en-AU" sz="1000" u="none" strike="noStrike" cap="none" dirty="0"/>
+                        <a:t>H</a:t>
+                      </a:r>
+                      <a:endParaRPr sz="1000" u="none" strike="noStrike" cap="none" dirty="0"/>
                     </a:p>
                   </a:txBody>
                   <a:tcPr marL="66675" marR="66675" marT="50000" marB="50000" anchor="ctr">
@@ -15318,7 +15372,11 @@
                         <a:buFont typeface="Arial"/>
                         <a:buNone/>
                       </a:pPr>
-                      <a:endParaRPr sz="1000" u="none" strike="noStrike" cap="none"/>
+                      <a:r>
+                        <a:rPr lang="en-AU" sz="1000" u="none" strike="noStrike" cap="none" dirty="0"/>
+                        <a:t>H</a:t>
+                      </a:r>
+                      <a:endParaRPr sz="1000" u="none" strike="noStrike" cap="none" dirty="0"/>
                     </a:p>
                   </a:txBody>
                   <a:tcPr marL="66675" marR="66675" marT="50000" marB="50000" anchor="ctr">
@@ -15382,7 +15440,11 @@
                         <a:buFont typeface="Arial"/>
                         <a:buNone/>
                       </a:pPr>
-                      <a:endParaRPr sz="1000" u="none" strike="noStrike" cap="none"/>
+                      <a:r>
+                        <a:rPr lang="en-AU" sz="1000" u="none" strike="noStrike" cap="none" dirty="0"/>
+                        <a:t>Make sure to keep informed daily</a:t>
+                      </a:r>
+                      <a:endParaRPr sz="1000" u="none" strike="noStrike" cap="none" dirty="0"/>
                     </a:p>
                   </a:txBody>
                   <a:tcPr marL="66675" marR="66675" marT="50000" marB="50000" anchor="ctr">
@@ -15450,7 +15512,11 @@
                         <a:buFont typeface="Arial"/>
                         <a:buNone/>
                       </a:pPr>
-                      <a:endParaRPr sz="1000"/>
+                      <a:r>
+                        <a:rPr lang="en-AU" sz="1000" dirty="0"/>
+                        <a:t>Office Green investors</a:t>
+                      </a:r>
+                      <a:endParaRPr sz="1000" dirty="0"/>
                     </a:p>
                   </a:txBody>
                   <a:tcPr marL="66675" marR="66675" marT="50000" marB="50000" anchor="ctr">
@@ -15511,7 +15577,11 @@
                         <a:buFont typeface="Arial"/>
                         <a:buNone/>
                       </a:pPr>
-                      <a:endParaRPr sz="1000"/>
+                      <a:r>
+                        <a:rPr lang="en-AU" sz="1000" dirty="0"/>
+                        <a:t>Secondary Stakeholder</a:t>
+                      </a:r>
+                      <a:endParaRPr sz="1000" dirty="0"/>
                     </a:p>
                   </a:txBody>
                   <a:tcPr marL="66675" marR="66675" marT="50000" marB="50000" anchor="ctr">
@@ -15572,7 +15642,11 @@
                         <a:buFont typeface="Arial"/>
                         <a:buNone/>
                       </a:pPr>
-                      <a:endParaRPr sz="1000"/>
+                      <a:r>
+                        <a:rPr lang="en-AU" sz="1000" dirty="0"/>
+                        <a:t>Not directly involved, but funding</a:t>
+                      </a:r>
+                      <a:endParaRPr sz="1000" dirty="0"/>
                     </a:p>
                   </a:txBody>
                   <a:tcPr marL="66675" marR="66675" marT="50000" marB="50000" anchor="ctr">
@@ -15633,7 +15707,11 @@
                         <a:buFont typeface="Arial"/>
                         <a:buNone/>
                       </a:pPr>
-                      <a:endParaRPr sz="1000"/>
+                      <a:r>
+                        <a:rPr lang="en-AU" sz="1000" dirty="0"/>
+                        <a:t>Not much impact, although they can reduce funding if poor performance</a:t>
+                      </a:r>
+                      <a:endParaRPr sz="1000" dirty="0"/>
                     </a:p>
                   </a:txBody>
                   <a:tcPr marL="66675" marR="66675" marT="50000" marB="50000" anchor="ctr">
@@ -15697,7 +15775,11 @@
                         <a:buFont typeface="Arial"/>
                         <a:buNone/>
                       </a:pPr>
-                      <a:endParaRPr sz="1000" u="none" strike="noStrike" cap="none"/>
+                      <a:r>
+                        <a:rPr lang="en-AU" sz="1000" u="none" strike="noStrike" cap="none" dirty="0"/>
+                        <a:t>M</a:t>
+                      </a:r>
+                      <a:endParaRPr sz="1000" u="none" strike="noStrike" cap="none" dirty="0"/>
                     </a:p>
                   </a:txBody>
                   <a:tcPr marL="66675" marR="66675" marT="50000" marB="50000" anchor="ctr">
@@ -15761,7 +15843,11 @@
                         <a:buFont typeface="Arial"/>
                         <a:buNone/>
                       </a:pPr>
-                      <a:endParaRPr sz="1000" u="none" strike="noStrike" cap="none"/>
+                      <a:r>
+                        <a:rPr lang="en-AU" sz="1000" u="none" strike="noStrike" cap="none" dirty="0"/>
+                        <a:t>L</a:t>
+                      </a:r>
+                      <a:endParaRPr sz="1000" u="none" strike="noStrike" cap="none" dirty="0"/>
                     </a:p>
                   </a:txBody>
                   <a:tcPr marL="66675" marR="66675" marT="50000" marB="50000" anchor="ctr">
@@ -15825,7 +15911,11 @@
                         <a:buFont typeface="Arial"/>
                         <a:buNone/>
                       </a:pPr>
-                      <a:endParaRPr sz="1000" u="none" strike="noStrike" cap="none"/>
+                      <a:r>
+                        <a:rPr lang="en-AU" sz="1000" u="none" strike="noStrike" cap="none" dirty="0"/>
+                        <a:t>Keep updated on progress, and when it is launched</a:t>
+                      </a:r>
+                      <a:endParaRPr sz="1000" u="none" strike="noStrike" cap="none" dirty="0"/>
                     </a:p>
                   </a:txBody>
                   <a:tcPr marL="66675" marR="66675" marT="50000" marB="50000" anchor="ctr">
@@ -15893,7 +15983,11 @@
                         <a:buFont typeface="Arial"/>
                         <a:buNone/>
                       </a:pPr>
-                      <a:endParaRPr sz="1000"/>
+                      <a:r>
+                        <a:rPr lang="en-AU" sz="1000" dirty="0"/>
+                        <a:t>Receptionist</a:t>
+                      </a:r>
+                      <a:endParaRPr sz="1000" dirty="0"/>
                     </a:p>
                   </a:txBody>
                   <a:tcPr marL="66675" marR="66675" marT="50000" marB="50000" anchor="ctr">
@@ -15954,7 +16048,11 @@
                         <a:buFont typeface="Arial"/>
                         <a:buNone/>
                       </a:pPr>
-                      <a:endParaRPr sz="1000"/>
+                      <a:r>
+                        <a:rPr lang="en-AU" sz="1000" dirty="0"/>
+                        <a:t>Employee</a:t>
+                      </a:r>
+                      <a:endParaRPr sz="1000" dirty="0"/>
                     </a:p>
                   </a:txBody>
                   <a:tcPr marL="66675" marR="66675" marT="50000" marB="50000" anchor="ctr">
@@ -16015,7 +16113,15 @@
                         <a:buFont typeface="Arial"/>
                         <a:buNone/>
                       </a:pPr>
-                      <a:endParaRPr sz="1000">
+                      <a:r>
+                        <a:rPr lang="en-AU" sz="1000" dirty="0">
+                          <a:solidFill>
+                            <a:schemeClr val="dk1"/>
+                          </a:solidFill>
+                        </a:rPr>
+                        <a:t>Answers questions and first line of contact for customers</a:t>
+                      </a:r>
+                      <a:endParaRPr sz="1000" dirty="0">
                         <a:solidFill>
                           <a:schemeClr val="dk1"/>
                         </a:solidFill>
@@ -16080,7 +16186,11 @@
                         <a:buFont typeface="Arial"/>
                         <a:buNone/>
                       </a:pPr>
-                      <a:endParaRPr sz="1000"/>
+                      <a:r>
+                        <a:rPr lang="en-AU" sz="1000" dirty="0"/>
+                        <a:t>No resistance, and not much different in role</a:t>
+                      </a:r>
+                      <a:endParaRPr sz="1000" dirty="0"/>
                     </a:p>
                   </a:txBody>
                   <a:tcPr marL="66675" marR="66675" marT="50000" marB="50000" anchor="ctr">
@@ -16144,7 +16254,11 @@
                         <a:buFont typeface="Arial"/>
                         <a:buNone/>
                       </a:pPr>
-                      <a:endParaRPr sz="1000" u="none" strike="noStrike" cap="none"/>
+                      <a:r>
+                        <a:rPr lang="en-AU" sz="1000" u="none" strike="noStrike" cap="none" dirty="0"/>
+                        <a:t>L</a:t>
+                      </a:r>
+                      <a:endParaRPr sz="1000" u="none" strike="noStrike" cap="none" dirty="0"/>
                     </a:p>
                   </a:txBody>
                   <a:tcPr marL="66675" marR="66675" marT="50000" marB="50000" anchor="ctr">
@@ -16208,7 +16322,11 @@
                         <a:buFont typeface="Arial"/>
                         <a:buNone/>
                       </a:pPr>
-                      <a:endParaRPr sz="1000" u="none" strike="noStrike" cap="none"/>
+                      <a:r>
+                        <a:rPr lang="en-AU" sz="1000" u="none" strike="noStrike" cap="none" dirty="0"/>
+                        <a:t>L</a:t>
+                      </a:r>
+                      <a:endParaRPr sz="1000" u="none" strike="noStrike" cap="none" dirty="0"/>
                     </a:p>
                   </a:txBody>
                   <a:tcPr marL="66675" marR="66675" marT="50000" marB="50000" anchor="ctr">
@@ -16269,7 +16387,11 @@
                         <a:buFont typeface="Arial"/>
                         <a:buNone/>
                       </a:pPr>
-                      <a:endParaRPr sz="1000"/>
+                      <a:r>
+                        <a:rPr lang="en-AU" sz="1000" dirty="0"/>
+                        <a:t>Keep informed about product info</a:t>
+                      </a:r>
+                      <a:endParaRPr sz="1000" dirty="0"/>
                     </a:p>
                   </a:txBody>
                   <a:tcPr marL="66675" marR="66675" marT="50000" marB="50000" anchor="ctr">
@@ -16337,7 +16459,11 @@
                         <a:buFont typeface="Arial"/>
                         <a:buNone/>
                       </a:pPr>
-                      <a:endParaRPr sz="1000"/>
+                      <a:r>
+                        <a:rPr lang="en-AU" sz="1000" dirty="0"/>
+                        <a:t>Clients and their employees</a:t>
+                      </a:r>
+                      <a:endParaRPr sz="1000" dirty="0"/>
                     </a:p>
                   </a:txBody>
                   <a:tcPr marL="66675" marR="66675" marT="50000" marB="50000" anchor="ctr">
@@ -16401,7 +16527,11 @@
                         <a:buFont typeface="Arial"/>
                         <a:buNone/>
                       </a:pPr>
-                      <a:endParaRPr sz="1000" u="none" strike="noStrike" cap="none"/>
+                      <a:r>
+                        <a:rPr lang="en-AU" sz="1000" u="none" strike="noStrike" cap="none" dirty="0"/>
+                        <a:t>Customers</a:t>
+                      </a:r>
+                      <a:endParaRPr sz="1000" u="none" strike="noStrike" cap="none" dirty="0"/>
                     </a:p>
                   </a:txBody>
                   <a:tcPr marL="66675" marR="66675" marT="50000" marB="50000" anchor="ctr">
@@ -16462,7 +16592,11 @@
                         <a:buFont typeface="Arial"/>
                         <a:buNone/>
                       </a:pPr>
-                      <a:endParaRPr sz="1000"/>
+                      <a:r>
+                        <a:rPr lang="en-AU" sz="1000" dirty="0"/>
+                        <a:t>Feedback</a:t>
+                      </a:r>
+                      <a:endParaRPr sz="1000" dirty="0"/>
                     </a:p>
                   </a:txBody>
                   <a:tcPr marL="66675" marR="66675" marT="50000" marB="50000" anchor="ctr">
@@ -16523,7 +16657,11 @@
                         <a:buFont typeface="Arial"/>
                         <a:buNone/>
                       </a:pPr>
-                      <a:endParaRPr sz="1000"/>
+                      <a:r>
+                        <a:rPr lang="en-AU" sz="1000" dirty="0"/>
+                        <a:t>Some are interested, some are not, only resistance is if it can make any differences to other stuff they make</a:t>
+                      </a:r>
+                      <a:endParaRPr sz="1000" dirty="0"/>
                     </a:p>
                   </a:txBody>
                   <a:tcPr marL="66675" marR="66675" marT="50000" marB="50000" anchor="ctr">
@@ -16587,7 +16725,11 @@
                         <a:buFont typeface="Arial"/>
                         <a:buNone/>
                       </a:pPr>
-                      <a:endParaRPr sz="1000" u="none" strike="noStrike" cap="none"/>
+                      <a:r>
+                        <a:rPr lang="en-AU" sz="1000" u="none" strike="noStrike" cap="none" dirty="0"/>
+                        <a:t>M</a:t>
+                      </a:r>
+                      <a:endParaRPr sz="1000" u="none" strike="noStrike" cap="none" dirty="0"/>
                     </a:p>
                   </a:txBody>
                   <a:tcPr marL="66675" marR="66675" marT="50000" marB="50000" anchor="ctr">
@@ -16651,7 +16793,11 @@
                         <a:buFont typeface="Arial"/>
                         <a:buNone/>
                       </a:pPr>
-                      <a:endParaRPr sz="1000" u="none" strike="noStrike" cap="none"/>
+                      <a:r>
+                        <a:rPr lang="en-AU" sz="1000" u="none" strike="noStrike" cap="none" dirty="0"/>
+                        <a:t>M</a:t>
+                      </a:r>
+                      <a:endParaRPr sz="1000" u="none" strike="noStrike" cap="none" dirty="0"/>
                     </a:p>
                   </a:txBody>
                   <a:tcPr marL="66675" marR="66675" marT="50000" marB="50000" anchor="ctr">
@@ -16712,7 +16858,11 @@
                         <a:buFont typeface="Arial"/>
                         <a:buNone/>
                       </a:pPr>
-                      <a:endParaRPr sz="1000"/>
+                      <a:r>
+                        <a:rPr lang="en-AU" sz="1000" dirty="0"/>
+                        <a:t>Keep in the loop, and get feedback</a:t>
+                      </a:r>
+                      <a:endParaRPr sz="1000" dirty="0"/>
                     </a:p>
                   </a:txBody>
                   <a:tcPr marL="66675" marR="66675" marT="50000" marB="50000" anchor="ctr">
@@ -17643,7 +17793,7 @@
         </p:nvSpPr>
         <p:spPr>
           <a:xfrm>
-            <a:off x="673150" y="1909088"/>
+            <a:off x="5023451" y="1138311"/>
             <a:ext cx="808800" cy="342900"/>
           </a:xfrm>
           <a:prstGeom prst="roundRect">
@@ -17674,14 +17824,14 @@
               <a:buNone/>
             </a:pPr>
             <a:r>
-              <a:rPr lang="en" sz="900" b="1">
+              <a:rPr lang="en" sz="900" b="1" dirty="0">
                 <a:solidFill>
                   <a:srgbClr val="FFFFFF"/>
                 </a:solidFill>
               </a:rPr>
               <a:t>Director of Product</a:t>
             </a:r>
-            <a:endParaRPr sz="900" b="1">
+            <a:endParaRPr sz="900" b="1" dirty="0">
               <a:solidFill>
                 <a:srgbClr val="FFFFFF"/>
               </a:solidFill>
@@ -17697,7 +17847,7 @@
         </p:nvSpPr>
         <p:spPr>
           <a:xfrm>
-            <a:off x="699100" y="3478125"/>
+            <a:off x="3305605" y="1831789"/>
             <a:ext cx="756900" cy="342900"/>
           </a:xfrm>
           <a:prstGeom prst="roundRect">
@@ -17728,14 +17878,14 @@
               <a:buNone/>
             </a:pPr>
             <a:r>
-              <a:rPr lang="en" sz="900" b="1">
+              <a:rPr lang="en" sz="900" b="1" dirty="0">
                 <a:solidFill>
                   <a:srgbClr val="FFFFFF"/>
                 </a:solidFill>
               </a:rPr>
               <a:t>OG Investors</a:t>
             </a:r>
-            <a:endParaRPr sz="900" b="1">
+            <a:endParaRPr sz="900" b="1" dirty="0">
               <a:solidFill>
                 <a:srgbClr val="FFFFFF"/>
               </a:solidFill>
@@ -17751,7 +17901,7 @@
         </p:nvSpPr>
         <p:spPr>
           <a:xfrm>
-            <a:off x="637750" y="2955263"/>
+            <a:off x="5039096" y="2394094"/>
             <a:ext cx="879600" cy="342900"/>
           </a:xfrm>
           <a:prstGeom prst="roundRect">
@@ -17782,14 +17932,14 @@
               <a:buNone/>
             </a:pPr>
             <a:r>
-              <a:rPr lang="en" sz="900" b="1">
+              <a:rPr lang="en" sz="900" b="1" dirty="0">
                 <a:solidFill>
                   <a:srgbClr val="FFFFFF"/>
                 </a:solidFill>
               </a:rPr>
               <a:t>Clients &amp; Employees</a:t>
             </a:r>
-            <a:endParaRPr sz="900" b="1">
+            <a:endParaRPr sz="900" b="1" dirty="0">
               <a:solidFill>
                 <a:srgbClr val="FFFFFF"/>
               </a:solidFill>
@@ -17805,7 +17955,7 @@
         </p:nvSpPr>
         <p:spPr>
           <a:xfrm>
-            <a:off x="615400" y="4000975"/>
+            <a:off x="4356349" y="4033726"/>
             <a:ext cx="924300" cy="342900"/>
           </a:xfrm>
           <a:prstGeom prst="roundRect">
@@ -17836,14 +17986,14 @@
               <a:buNone/>
             </a:pPr>
             <a:r>
-              <a:rPr lang="en" sz="900" b="1">
+              <a:rPr lang="en" sz="900" b="1" dirty="0">
                 <a:solidFill>
                   <a:srgbClr val="FFFFFF"/>
                 </a:solidFill>
               </a:rPr>
               <a:t>OG Receptionist</a:t>
             </a:r>
-            <a:endParaRPr sz="900" b="1">
+            <a:endParaRPr sz="900" b="1" dirty="0">
               <a:solidFill>
                 <a:srgbClr val="FFFFFF"/>
               </a:solidFill>
@@ -18060,7 +18210,7 @@
         </p:nvSpPr>
         <p:spPr>
           <a:xfrm>
-            <a:off x="583225" y="2387844"/>
+            <a:off x="7229800" y="1079675"/>
             <a:ext cx="988650" cy="431100"/>
           </a:xfrm>
           <a:prstGeom prst="roundRect">
